--- a/AML_Final_Project.pptx
+++ b/AML_Final_Project.pptx
@@ -134,72 +134,8 @@
 </p:presentation>
 </file>
 
-<file path=ppt/revisionInfo.xml><?xml version="1.0" encoding="utf-8"?>
-<p1510:revInfo xmlns:a="http://schemas.openxmlformats.org/drawingml/2006/main" xmlns:r="http://schemas.openxmlformats.org/officeDocument/2006/relationships" xmlns:p1510="http://schemas.microsoft.com/office/powerpoint/2015/10/main">
-  <p1510:revLst>
-    <p1510:client id="{82DF9473-AA85-4B8A-8445-3845BF1F86A8}" v="110" dt="2024-04-28T20:29:31.596"/>
-    <p1510:client id="{9502959B-758C-40AE-8636-72CC681FF6B9}" v="35" dt="2024-04-30T10:20:25.875"/>
-    <p1510:client id="{FA4B2782-61E1-4BF9-B97C-3717659AC055}" v="303" dt="2024-04-30T09:34:29.496"/>
-  </p1510:revLst>
-</p1510:revInfo>
-</file>
-
 <file path=ppt/changesInfos/changesInfo1.xml><?xml version="1.0" encoding="utf-8"?>
 <pc:chgInfo xmlns:a="http://schemas.openxmlformats.org/drawingml/2006/main" xmlns:r="http://schemas.openxmlformats.org/officeDocument/2006/relationships" xmlns:ac="http://schemas.microsoft.com/office/drawing/2013/main/command" xmlns:pc="http://schemas.microsoft.com/office/powerpoint/2013/main/command">
-  <pc:docChgLst>
-    <pc:chgData name="Guest User" providerId="Windows Live" clId="Web-{849F86AC-6FBB-4D0F-B382-8E6470195798}"/>
-    <pc:docChg chg="modSld">
-      <pc:chgData name="Guest User" userId="" providerId="Windows Live" clId="Web-{849F86AC-6FBB-4D0F-B382-8E6470195798}" dt="2024-04-27T09:02:12.986" v="29" actId="20577"/>
-      <pc:docMkLst>
-        <pc:docMk/>
-      </pc:docMkLst>
-      <pc:sldChg chg="modSp">
-        <pc:chgData name="Guest User" userId="" providerId="Windows Live" clId="Web-{849F86AC-6FBB-4D0F-B382-8E6470195798}" dt="2024-04-27T08:59:15.121" v="8" actId="20577"/>
-        <pc:sldMkLst>
-          <pc:docMk/>
-          <pc:sldMk cId="2663212507" sldId="259"/>
-        </pc:sldMkLst>
-        <pc:spChg chg="mod">
-          <ac:chgData name="Guest User" userId="" providerId="Windows Live" clId="Web-{849F86AC-6FBB-4D0F-B382-8E6470195798}" dt="2024-04-27T08:59:15.121" v="8" actId="20577"/>
-          <ac:spMkLst>
-            <pc:docMk/>
-            <pc:sldMk cId="2663212507" sldId="259"/>
-            <ac:spMk id="3" creationId="{D37CDA58-9325-CAF1-BD50-9BC3D47F4196}"/>
-          </ac:spMkLst>
-        </pc:spChg>
-      </pc:sldChg>
-      <pc:sldChg chg="modSp">
-        <pc:chgData name="Guest User" userId="" providerId="Windows Live" clId="Web-{849F86AC-6FBB-4D0F-B382-8E6470195798}" dt="2024-04-27T09:02:12.986" v="29" actId="20577"/>
-        <pc:sldMkLst>
-          <pc:docMk/>
-          <pc:sldMk cId="2348968450" sldId="262"/>
-        </pc:sldMkLst>
-        <pc:spChg chg="mod">
-          <ac:chgData name="Guest User" userId="" providerId="Windows Live" clId="Web-{849F86AC-6FBB-4D0F-B382-8E6470195798}" dt="2024-04-27T09:02:12.986" v="29" actId="20577"/>
-          <ac:spMkLst>
-            <pc:docMk/>
-            <pc:sldMk cId="2348968450" sldId="262"/>
-            <ac:spMk id="4" creationId="{B6C17D96-954C-7F70-D100-997EEB29DAF7}"/>
-          </ac:spMkLst>
-        </pc:spChg>
-      </pc:sldChg>
-      <pc:sldChg chg="modSp">
-        <pc:chgData name="Guest User" userId="" providerId="Windows Live" clId="Web-{849F86AC-6FBB-4D0F-B382-8E6470195798}" dt="2024-04-27T09:00:08.732" v="12" actId="20577"/>
-        <pc:sldMkLst>
-          <pc:docMk/>
-          <pc:sldMk cId="337041426" sldId="265"/>
-        </pc:sldMkLst>
-        <pc:spChg chg="mod">
-          <ac:chgData name="Guest User" userId="" providerId="Windows Live" clId="Web-{849F86AC-6FBB-4D0F-B382-8E6470195798}" dt="2024-04-27T09:00:08.732" v="12" actId="20577"/>
-          <ac:spMkLst>
-            <pc:docMk/>
-            <pc:sldMk cId="337041426" sldId="265"/>
-            <ac:spMk id="3" creationId="{61D6EE58-C168-FA9F-6502-6C65E8A832BF}"/>
-          </ac:spMkLst>
-        </pc:spChg>
-      </pc:sldChg>
-    </pc:docChg>
-  </pc:docChgLst>
   <pc:docChgLst>
     <pc:chgData name="Arvind Raghavendran" userId="dc91e5b45a357c14" providerId="Windows Live" clId="Web-{1DD0C472-EAAE-B1FA-9552-E2FD8790EFB4}"/>
     <pc:docChg chg="addSld delSld modSld addMainMaster delMainMaster">
@@ -1307,6 +1243,208 @@
     </pc:docChg>
   </pc:docChgLst>
   <pc:docChgLst>
+    <pc:chgData name="Guest User" providerId="Windows Live" clId="Web-{82DF9473-AA85-4B8A-8445-3845BF1F86A8}"/>
+    <pc:docChg chg="modSld">
+      <pc:chgData name="Guest User" userId="" providerId="Windows Live" clId="Web-{82DF9473-AA85-4B8A-8445-3845BF1F86A8}" dt="2024-04-28T20:29:31.080" v="106" actId="20577"/>
+      <pc:docMkLst>
+        <pc:docMk/>
+      </pc:docMkLst>
+      <pc:sldChg chg="modSp">
+        <pc:chgData name="Guest User" userId="" providerId="Windows Live" clId="Web-{82DF9473-AA85-4B8A-8445-3845BF1F86A8}" dt="2024-04-28T18:59:08.552" v="0" actId="20577"/>
+        <pc:sldMkLst>
+          <pc:docMk/>
+          <pc:sldMk cId="2017011054" sldId="263"/>
+        </pc:sldMkLst>
+        <pc:spChg chg="mod">
+          <ac:chgData name="Guest User" userId="" providerId="Windows Live" clId="Web-{82DF9473-AA85-4B8A-8445-3845BF1F86A8}" dt="2024-04-28T18:59:08.552" v="0" actId="20577"/>
+          <ac:spMkLst>
+            <pc:docMk/>
+            <pc:sldMk cId="2017011054" sldId="263"/>
+            <ac:spMk id="3" creationId="{E7F22679-1CB1-A57D-A855-17A75DB8E54C}"/>
+          </ac:spMkLst>
+        </pc:spChg>
+      </pc:sldChg>
+      <pc:sldChg chg="modSp">
+        <pc:chgData name="Guest User" userId="" providerId="Windows Live" clId="Web-{82DF9473-AA85-4B8A-8445-3845BF1F86A8}" dt="2024-04-28T20:29:31.080" v="106" actId="20577"/>
+        <pc:sldMkLst>
+          <pc:docMk/>
+          <pc:sldMk cId="4204349984" sldId="273"/>
+        </pc:sldMkLst>
+        <pc:spChg chg="mod">
+          <ac:chgData name="Guest User" userId="" providerId="Windows Live" clId="Web-{82DF9473-AA85-4B8A-8445-3845BF1F86A8}" dt="2024-04-28T20:29:31.080" v="106" actId="20577"/>
+          <ac:spMkLst>
+            <pc:docMk/>
+            <pc:sldMk cId="4204349984" sldId="273"/>
+            <ac:spMk id="3" creationId="{E7E053FB-493D-FA46-7663-7866EDF3262A}"/>
+          </ac:spMkLst>
+        </pc:spChg>
+      </pc:sldChg>
+      <pc:sldChg chg="modSp">
+        <pc:chgData name="Guest User" userId="" providerId="Windows Live" clId="Web-{82DF9473-AA85-4B8A-8445-3845BF1F86A8}" dt="2024-04-28T19:03:17.381" v="6" actId="20577"/>
+        <pc:sldMkLst>
+          <pc:docMk/>
+          <pc:sldMk cId="2161041369" sldId="276"/>
+        </pc:sldMkLst>
+        <pc:spChg chg="mod">
+          <ac:chgData name="Guest User" userId="" providerId="Windows Live" clId="Web-{82DF9473-AA85-4B8A-8445-3845BF1F86A8}" dt="2024-04-28T19:03:17.381" v="6" actId="20577"/>
+          <ac:spMkLst>
+            <pc:docMk/>
+            <pc:sldMk cId="2161041369" sldId="276"/>
+            <ac:spMk id="3" creationId="{FDF599C9-7135-5335-AD18-05C86320B8C7}"/>
+          </ac:spMkLst>
+        </pc:spChg>
+      </pc:sldChg>
+      <pc:sldChg chg="modSp">
+        <pc:chgData name="Guest User" userId="" providerId="Windows Live" clId="Web-{82DF9473-AA85-4B8A-8445-3845BF1F86A8}" dt="2024-04-28T19:37:10.404" v="14" actId="14100"/>
+        <pc:sldMkLst>
+          <pc:docMk/>
+          <pc:sldMk cId="1423210530" sldId="278"/>
+        </pc:sldMkLst>
+        <pc:picChg chg="mod">
+          <ac:chgData name="Guest User" userId="" providerId="Windows Live" clId="Web-{82DF9473-AA85-4B8A-8445-3845BF1F86A8}" dt="2024-04-28T19:37:10.404" v="14" actId="14100"/>
+          <ac:picMkLst>
+            <pc:docMk/>
+            <pc:sldMk cId="1423210530" sldId="278"/>
+            <ac:picMk id="6" creationId="{CE3A8629-C43D-015E-53B0-88E554D67F05}"/>
+          </ac:picMkLst>
+        </pc:picChg>
+        <pc:picChg chg="mod">
+          <ac:chgData name="Guest User" userId="" providerId="Windows Live" clId="Web-{82DF9473-AA85-4B8A-8445-3845BF1F86A8}" dt="2024-04-28T19:37:01.232" v="13" actId="14100"/>
+          <ac:picMkLst>
+            <pc:docMk/>
+            <pc:sldMk cId="1423210530" sldId="278"/>
+            <ac:picMk id="7" creationId="{CB7450F9-47D0-E648-5552-BE59762F5328}"/>
+          </ac:picMkLst>
+        </pc:picChg>
+      </pc:sldChg>
+    </pc:docChg>
+  </pc:docChgLst>
+  <pc:docChgLst>
+    <pc:chgData name="Aayam Shrestha" userId="d602db38-468a-4fc6-a1ee-ed7b0fc84ccb" providerId="ADAL" clId="{4EDF5C86-B7F3-4E31-92A5-AC1B37E3CE8B}"/>
+    <pc:docChg chg="modSld">
+      <pc:chgData name="Aayam Shrestha" userId="d602db38-468a-4fc6-a1ee-ed7b0fc84ccb" providerId="ADAL" clId="{4EDF5C86-B7F3-4E31-92A5-AC1B37E3CE8B}" dt="2024-11-10T19:23:19.915" v="2" actId="1076"/>
+      <pc:docMkLst>
+        <pc:docMk/>
+      </pc:docMkLst>
+      <pc:sldChg chg="modSp mod">
+        <pc:chgData name="Aayam Shrestha" userId="d602db38-468a-4fc6-a1ee-ed7b0fc84ccb" providerId="ADAL" clId="{4EDF5C86-B7F3-4E31-92A5-AC1B37E3CE8B}" dt="2024-11-10T19:23:19.915" v="2" actId="1076"/>
+        <pc:sldMkLst>
+          <pc:docMk/>
+          <pc:sldMk cId="1423210530" sldId="278"/>
+        </pc:sldMkLst>
+        <pc:picChg chg="mod">
+          <ac:chgData name="Aayam Shrestha" userId="d602db38-468a-4fc6-a1ee-ed7b0fc84ccb" providerId="ADAL" clId="{4EDF5C86-B7F3-4E31-92A5-AC1B37E3CE8B}" dt="2024-11-10T19:23:19.915" v="2" actId="1076"/>
+          <ac:picMkLst>
+            <pc:docMk/>
+            <pc:sldMk cId="1423210530" sldId="278"/>
+            <ac:picMk id="10" creationId="{A0CB622E-FE16-5F8F-F3E8-825CAA3DAAF3}"/>
+          </ac:picMkLst>
+        </pc:picChg>
+      </pc:sldChg>
+    </pc:docChg>
+  </pc:docChgLst>
+  <pc:docChgLst>
+    <pc:chgData name="Guest User" providerId="Windows Live" clId="Web-{9502959B-758C-40AE-8636-72CC681FF6B9}"/>
+    <pc:docChg chg="modSld">
+      <pc:chgData name="Guest User" userId="" providerId="Windows Live" clId="Web-{9502959B-758C-40AE-8636-72CC681FF6B9}" dt="2024-04-30T10:20:25.875" v="33" actId="1076"/>
+      <pc:docMkLst>
+        <pc:docMk/>
+      </pc:docMkLst>
+      <pc:sldChg chg="modSp">
+        <pc:chgData name="Guest User" userId="" providerId="Windows Live" clId="Web-{9502959B-758C-40AE-8636-72CC681FF6B9}" dt="2024-04-30T09:09:08.174" v="31" actId="20577"/>
+        <pc:sldMkLst>
+          <pc:docMk/>
+          <pc:sldMk cId="109857222" sldId="256"/>
+        </pc:sldMkLst>
+        <pc:spChg chg="mod">
+          <ac:chgData name="Guest User" userId="" providerId="Windows Live" clId="Web-{9502959B-758C-40AE-8636-72CC681FF6B9}" dt="2024-04-30T09:09:08.174" v="31" actId="20577"/>
+          <ac:spMkLst>
+            <pc:docMk/>
+            <pc:sldMk cId="109857222" sldId="256"/>
+            <ac:spMk id="2" creationId="{00000000-0000-0000-0000-000000000000}"/>
+          </ac:spMkLst>
+        </pc:spChg>
+      </pc:sldChg>
+      <pc:sldChg chg="modSp">
+        <pc:chgData name="Guest User" userId="" providerId="Windows Live" clId="Web-{9502959B-758C-40AE-8636-72CC681FF6B9}" dt="2024-04-30T10:20:25.875" v="33" actId="1076"/>
+        <pc:sldMkLst>
+          <pc:docMk/>
+          <pc:sldMk cId="1423210530" sldId="278"/>
+        </pc:sldMkLst>
+        <pc:spChg chg="mod">
+          <ac:chgData name="Guest User" userId="" providerId="Windows Live" clId="Web-{9502959B-758C-40AE-8636-72CC681FF6B9}" dt="2024-04-30T10:20:15.531" v="32" actId="1076"/>
+          <ac:spMkLst>
+            <pc:docMk/>
+            <pc:sldMk cId="1423210530" sldId="278"/>
+            <ac:spMk id="13" creationId="{8979FA7E-391D-CEC5-F6C7-A3ACB56D4A16}"/>
+          </ac:spMkLst>
+        </pc:spChg>
+        <pc:spChg chg="mod">
+          <ac:chgData name="Guest User" userId="" providerId="Windows Live" clId="Web-{9502959B-758C-40AE-8636-72CC681FF6B9}" dt="2024-04-30T10:20:25.875" v="33" actId="1076"/>
+          <ac:spMkLst>
+            <pc:docMk/>
+            <pc:sldMk cId="1423210530" sldId="278"/>
+            <ac:spMk id="14" creationId="{5D0D36F7-82F9-D529-A995-721CBE8DAAEC}"/>
+          </ac:spMkLst>
+        </pc:spChg>
+      </pc:sldChg>
+    </pc:docChg>
+  </pc:docChgLst>
+  <pc:docChgLst>
+    <pc:chgData name="Guest User" providerId="Windows Live" clId="Web-{849F86AC-6FBB-4D0F-B382-8E6470195798}"/>
+    <pc:docChg chg="modSld">
+      <pc:chgData name="Guest User" userId="" providerId="Windows Live" clId="Web-{849F86AC-6FBB-4D0F-B382-8E6470195798}" dt="2024-04-27T09:02:12.986" v="29" actId="20577"/>
+      <pc:docMkLst>
+        <pc:docMk/>
+      </pc:docMkLst>
+      <pc:sldChg chg="modSp">
+        <pc:chgData name="Guest User" userId="" providerId="Windows Live" clId="Web-{849F86AC-6FBB-4D0F-B382-8E6470195798}" dt="2024-04-27T08:59:15.121" v="8" actId="20577"/>
+        <pc:sldMkLst>
+          <pc:docMk/>
+          <pc:sldMk cId="2663212507" sldId="259"/>
+        </pc:sldMkLst>
+        <pc:spChg chg="mod">
+          <ac:chgData name="Guest User" userId="" providerId="Windows Live" clId="Web-{849F86AC-6FBB-4D0F-B382-8E6470195798}" dt="2024-04-27T08:59:15.121" v="8" actId="20577"/>
+          <ac:spMkLst>
+            <pc:docMk/>
+            <pc:sldMk cId="2663212507" sldId="259"/>
+            <ac:spMk id="3" creationId="{D37CDA58-9325-CAF1-BD50-9BC3D47F4196}"/>
+          </ac:spMkLst>
+        </pc:spChg>
+      </pc:sldChg>
+      <pc:sldChg chg="modSp">
+        <pc:chgData name="Guest User" userId="" providerId="Windows Live" clId="Web-{849F86AC-6FBB-4D0F-B382-8E6470195798}" dt="2024-04-27T09:02:12.986" v="29" actId="20577"/>
+        <pc:sldMkLst>
+          <pc:docMk/>
+          <pc:sldMk cId="2348968450" sldId="262"/>
+        </pc:sldMkLst>
+        <pc:spChg chg="mod">
+          <ac:chgData name="Guest User" userId="" providerId="Windows Live" clId="Web-{849F86AC-6FBB-4D0F-B382-8E6470195798}" dt="2024-04-27T09:02:12.986" v="29" actId="20577"/>
+          <ac:spMkLst>
+            <pc:docMk/>
+            <pc:sldMk cId="2348968450" sldId="262"/>
+            <ac:spMk id="4" creationId="{B6C17D96-954C-7F70-D100-997EEB29DAF7}"/>
+          </ac:spMkLst>
+        </pc:spChg>
+      </pc:sldChg>
+      <pc:sldChg chg="modSp">
+        <pc:chgData name="Guest User" userId="" providerId="Windows Live" clId="Web-{849F86AC-6FBB-4D0F-B382-8E6470195798}" dt="2024-04-27T09:00:08.732" v="12" actId="20577"/>
+        <pc:sldMkLst>
+          <pc:docMk/>
+          <pc:sldMk cId="337041426" sldId="265"/>
+        </pc:sldMkLst>
+        <pc:spChg chg="mod">
+          <ac:chgData name="Guest User" userId="" providerId="Windows Live" clId="Web-{849F86AC-6FBB-4D0F-B382-8E6470195798}" dt="2024-04-27T09:00:08.732" v="12" actId="20577"/>
+          <ac:spMkLst>
+            <pc:docMk/>
+            <pc:sldMk cId="337041426" sldId="265"/>
+            <ac:spMk id="3" creationId="{61D6EE58-C168-FA9F-6502-6C65E8A832BF}"/>
+          </ac:spMkLst>
+        </pc:spChg>
+      </pc:sldChg>
+    </pc:docChg>
+  </pc:docChgLst>
+  <pc:docChgLst>
     <pc:chgData name="Guest User" providerId="Windows Live" clId="Web-{FA4B2782-61E1-4BF9-B97C-3717659AC055}"/>
     <pc:docChg chg="modSld">
       <pc:chgData name="Guest User" userId="" providerId="Windows Live" clId="Web-{FA4B2782-61E1-4BF9-B97C-3717659AC055}" dt="2024-04-30T09:34:29.496" v="303" actId="14100"/>
@@ -2293,130 +2431,6 @@
             <ac:spMk id="3" creationId="{6AB4CD99-9A4B-5360-77CF-E5F05FC94086}"/>
           </ac:spMkLst>
         </pc:spChg>
-      </pc:sldChg>
-    </pc:docChg>
-  </pc:docChgLst>
-  <pc:docChgLst>
-    <pc:chgData name="Guest User" providerId="Windows Live" clId="Web-{9502959B-758C-40AE-8636-72CC681FF6B9}"/>
-    <pc:docChg chg="modSld">
-      <pc:chgData name="Guest User" userId="" providerId="Windows Live" clId="Web-{9502959B-758C-40AE-8636-72CC681FF6B9}" dt="2024-04-30T10:20:25.875" v="33" actId="1076"/>
-      <pc:docMkLst>
-        <pc:docMk/>
-      </pc:docMkLst>
-      <pc:sldChg chg="modSp">
-        <pc:chgData name="Guest User" userId="" providerId="Windows Live" clId="Web-{9502959B-758C-40AE-8636-72CC681FF6B9}" dt="2024-04-30T09:09:08.174" v="31" actId="20577"/>
-        <pc:sldMkLst>
-          <pc:docMk/>
-          <pc:sldMk cId="109857222" sldId="256"/>
-        </pc:sldMkLst>
-        <pc:spChg chg="mod">
-          <ac:chgData name="Guest User" userId="" providerId="Windows Live" clId="Web-{9502959B-758C-40AE-8636-72CC681FF6B9}" dt="2024-04-30T09:09:08.174" v="31" actId="20577"/>
-          <ac:spMkLst>
-            <pc:docMk/>
-            <pc:sldMk cId="109857222" sldId="256"/>
-            <ac:spMk id="2" creationId="{00000000-0000-0000-0000-000000000000}"/>
-          </ac:spMkLst>
-        </pc:spChg>
-      </pc:sldChg>
-      <pc:sldChg chg="modSp">
-        <pc:chgData name="Guest User" userId="" providerId="Windows Live" clId="Web-{9502959B-758C-40AE-8636-72CC681FF6B9}" dt="2024-04-30T10:20:25.875" v="33" actId="1076"/>
-        <pc:sldMkLst>
-          <pc:docMk/>
-          <pc:sldMk cId="1423210530" sldId="278"/>
-        </pc:sldMkLst>
-        <pc:spChg chg="mod">
-          <ac:chgData name="Guest User" userId="" providerId="Windows Live" clId="Web-{9502959B-758C-40AE-8636-72CC681FF6B9}" dt="2024-04-30T10:20:15.531" v="32" actId="1076"/>
-          <ac:spMkLst>
-            <pc:docMk/>
-            <pc:sldMk cId="1423210530" sldId="278"/>
-            <ac:spMk id="13" creationId="{8979FA7E-391D-CEC5-F6C7-A3ACB56D4A16}"/>
-          </ac:spMkLst>
-        </pc:spChg>
-        <pc:spChg chg="mod">
-          <ac:chgData name="Guest User" userId="" providerId="Windows Live" clId="Web-{9502959B-758C-40AE-8636-72CC681FF6B9}" dt="2024-04-30T10:20:25.875" v="33" actId="1076"/>
-          <ac:spMkLst>
-            <pc:docMk/>
-            <pc:sldMk cId="1423210530" sldId="278"/>
-            <ac:spMk id="14" creationId="{5D0D36F7-82F9-D529-A995-721CBE8DAAEC}"/>
-          </ac:spMkLst>
-        </pc:spChg>
-      </pc:sldChg>
-    </pc:docChg>
-  </pc:docChgLst>
-  <pc:docChgLst>
-    <pc:chgData name="Guest User" providerId="Windows Live" clId="Web-{82DF9473-AA85-4B8A-8445-3845BF1F86A8}"/>
-    <pc:docChg chg="modSld">
-      <pc:chgData name="Guest User" userId="" providerId="Windows Live" clId="Web-{82DF9473-AA85-4B8A-8445-3845BF1F86A8}" dt="2024-04-28T20:29:31.080" v="106" actId="20577"/>
-      <pc:docMkLst>
-        <pc:docMk/>
-      </pc:docMkLst>
-      <pc:sldChg chg="modSp">
-        <pc:chgData name="Guest User" userId="" providerId="Windows Live" clId="Web-{82DF9473-AA85-4B8A-8445-3845BF1F86A8}" dt="2024-04-28T18:59:08.552" v="0" actId="20577"/>
-        <pc:sldMkLst>
-          <pc:docMk/>
-          <pc:sldMk cId="2017011054" sldId="263"/>
-        </pc:sldMkLst>
-        <pc:spChg chg="mod">
-          <ac:chgData name="Guest User" userId="" providerId="Windows Live" clId="Web-{82DF9473-AA85-4B8A-8445-3845BF1F86A8}" dt="2024-04-28T18:59:08.552" v="0" actId="20577"/>
-          <ac:spMkLst>
-            <pc:docMk/>
-            <pc:sldMk cId="2017011054" sldId="263"/>
-            <ac:spMk id="3" creationId="{E7F22679-1CB1-A57D-A855-17A75DB8E54C}"/>
-          </ac:spMkLst>
-        </pc:spChg>
-      </pc:sldChg>
-      <pc:sldChg chg="modSp">
-        <pc:chgData name="Guest User" userId="" providerId="Windows Live" clId="Web-{82DF9473-AA85-4B8A-8445-3845BF1F86A8}" dt="2024-04-28T20:29:31.080" v="106" actId="20577"/>
-        <pc:sldMkLst>
-          <pc:docMk/>
-          <pc:sldMk cId="4204349984" sldId="273"/>
-        </pc:sldMkLst>
-        <pc:spChg chg="mod">
-          <ac:chgData name="Guest User" userId="" providerId="Windows Live" clId="Web-{82DF9473-AA85-4B8A-8445-3845BF1F86A8}" dt="2024-04-28T20:29:31.080" v="106" actId="20577"/>
-          <ac:spMkLst>
-            <pc:docMk/>
-            <pc:sldMk cId="4204349984" sldId="273"/>
-            <ac:spMk id="3" creationId="{E7E053FB-493D-FA46-7663-7866EDF3262A}"/>
-          </ac:spMkLst>
-        </pc:spChg>
-      </pc:sldChg>
-      <pc:sldChg chg="modSp">
-        <pc:chgData name="Guest User" userId="" providerId="Windows Live" clId="Web-{82DF9473-AA85-4B8A-8445-3845BF1F86A8}" dt="2024-04-28T19:03:17.381" v="6" actId="20577"/>
-        <pc:sldMkLst>
-          <pc:docMk/>
-          <pc:sldMk cId="2161041369" sldId="276"/>
-        </pc:sldMkLst>
-        <pc:spChg chg="mod">
-          <ac:chgData name="Guest User" userId="" providerId="Windows Live" clId="Web-{82DF9473-AA85-4B8A-8445-3845BF1F86A8}" dt="2024-04-28T19:03:17.381" v="6" actId="20577"/>
-          <ac:spMkLst>
-            <pc:docMk/>
-            <pc:sldMk cId="2161041369" sldId="276"/>
-            <ac:spMk id="3" creationId="{FDF599C9-7135-5335-AD18-05C86320B8C7}"/>
-          </ac:spMkLst>
-        </pc:spChg>
-      </pc:sldChg>
-      <pc:sldChg chg="modSp">
-        <pc:chgData name="Guest User" userId="" providerId="Windows Live" clId="Web-{82DF9473-AA85-4B8A-8445-3845BF1F86A8}" dt="2024-04-28T19:37:10.404" v="14" actId="14100"/>
-        <pc:sldMkLst>
-          <pc:docMk/>
-          <pc:sldMk cId="1423210530" sldId="278"/>
-        </pc:sldMkLst>
-        <pc:picChg chg="mod">
-          <ac:chgData name="Guest User" userId="" providerId="Windows Live" clId="Web-{82DF9473-AA85-4B8A-8445-3845BF1F86A8}" dt="2024-04-28T19:37:10.404" v="14" actId="14100"/>
-          <ac:picMkLst>
-            <pc:docMk/>
-            <pc:sldMk cId="1423210530" sldId="278"/>
-            <ac:picMk id="6" creationId="{CE3A8629-C43D-015E-53B0-88E554D67F05}"/>
-          </ac:picMkLst>
-        </pc:picChg>
-        <pc:picChg chg="mod">
-          <ac:chgData name="Guest User" userId="" providerId="Windows Live" clId="Web-{82DF9473-AA85-4B8A-8445-3845BF1F86A8}" dt="2024-04-28T19:37:01.232" v="13" actId="14100"/>
-          <ac:picMkLst>
-            <pc:docMk/>
-            <pc:sldMk cId="1423210530" sldId="278"/>
-            <ac:picMk id="7" creationId="{CB7450F9-47D0-E648-5552-BE59762F5328}"/>
-          </ac:picMkLst>
-        </pc:picChg>
       </pc:sldChg>
     </pc:docChg>
   </pc:docChgLst>
@@ -5901,8 +5915,8 @@
       </dsp:nvSpPr>
       <dsp:spPr>
         <a:xfrm>
-          <a:off x="1097523" y="492"/>
-          <a:ext cx="2088428" cy="576273"/>
+          <a:off x="1345760" y="492"/>
+          <a:ext cx="1591955" cy="576273"/>
         </a:xfrm>
         <a:prstGeom prst="roundRect">
           <a:avLst>
@@ -5972,8 +5986,8 @@
         </a:p>
       </dsp:txBody>
       <dsp:txXfrm>
-        <a:off x="1114401" y="17370"/>
-        <a:ext cx="2054672" cy="542517"/>
+        <a:off x="1362638" y="17370"/>
+        <a:ext cx="1558199" cy="542517"/>
       </dsp:txXfrm>
     </dsp:sp>
     <dsp:sp modelId="{0E7382B7-AC38-435F-81A0-410B98EBA9F5}">
@@ -6026,7 +6040,7 @@
         </a:bodyPr>
         <a:lstStyle/>
         <a:p>
-          <a:pPr marL="0" lvl="0" indent="0" algn="ctr" defTabSz="444500">
+          <a:pPr marL="0" lvl="0" indent="0" algn="ctr" defTabSz="533400">
             <a:lnSpc>
               <a:spcPct val="90000"/>
             </a:lnSpc>
@@ -6038,7 +6052,7 @@
             </a:spcAft>
             <a:buNone/>
           </a:pPr>
-          <a:endParaRPr lang="en-US" sz="1000" kern="1200"/>
+          <a:endParaRPr lang="en-US" sz="1200" kern="1200"/>
         </a:p>
       </dsp:txBody>
       <dsp:txXfrm rot="-5400000">
@@ -6053,8 +6067,8 @@
       </dsp:nvSpPr>
       <dsp:spPr>
         <a:xfrm>
-          <a:off x="1097523" y="864902"/>
-          <a:ext cx="2088428" cy="576273"/>
+          <a:off x="1345760" y="864902"/>
+          <a:ext cx="1591955" cy="576273"/>
         </a:xfrm>
         <a:prstGeom prst="roundRect">
           <a:avLst>
@@ -6124,8 +6138,8 @@
         </a:p>
       </dsp:txBody>
       <dsp:txXfrm>
-        <a:off x="1114401" y="881780"/>
-        <a:ext cx="2054672" cy="542517"/>
+        <a:off x="1362638" y="881780"/>
+        <a:ext cx="1558199" cy="542517"/>
       </dsp:txXfrm>
     </dsp:sp>
     <dsp:sp modelId="{9B129513-D243-4B93-92BC-F1ACF284FF28}">
@@ -6178,7 +6192,7 @@
         </a:bodyPr>
         <a:lstStyle/>
         <a:p>
-          <a:pPr marL="0" lvl="0" indent="0" algn="ctr" defTabSz="444500">
+          <a:pPr marL="0" lvl="0" indent="0" algn="ctr" defTabSz="533400">
             <a:lnSpc>
               <a:spcPct val="90000"/>
             </a:lnSpc>
@@ -6190,7 +6204,7 @@
             </a:spcAft>
             <a:buNone/>
           </a:pPr>
-          <a:endParaRPr lang="en-US" sz="1000" kern="1200"/>
+          <a:endParaRPr lang="en-US" sz="1200" kern="1200"/>
         </a:p>
       </dsp:txBody>
       <dsp:txXfrm rot="-5400000">
@@ -6205,8 +6219,8 @@
       </dsp:nvSpPr>
       <dsp:spPr>
         <a:xfrm>
-          <a:off x="1097523" y="1729313"/>
-          <a:ext cx="2088428" cy="576273"/>
+          <a:off x="1345760" y="1729313"/>
+          <a:ext cx="1591955" cy="576273"/>
         </a:xfrm>
         <a:prstGeom prst="roundRect">
           <a:avLst>
@@ -6276,8 +6290,8 @@
         </a:p>
       </dsp:txBody>
       <dsp:txXfrm>
-        <a:off x="1114401" y="1746191"/>
-        <a:ext cx="2054672" cy="542517"/>
+        <a:off x="1362638" y="1746191"/>
+        <a:ext cx="1558199" cy="542517"/>
       </dsp:txXfrm>
     </dsp:sp>
     <dsp:sp modelId="{866B90C8-E1A4-4834-863F-802A52A139E7}">
@@ -6330,7 +6344,7 @@
         </a:bodyPr>
         <a:lstStyle/>
         <a:p>
-          <a:pPr marL="0" lvl="0" indent="0" algn="ctr" defTabSz="444500">
+          <a:pPr marL="0" lvl="0" indent="0" algn="ctr" defTabSz="533400">
             <a:lnSpc>
               <a:spcPct val="90000"/>
             </a:lnSpc>
@@ -6342,7 +6356,7 @@
             </a:spcAft>
             <a:buNone/>
           </a:pPr>
-          <a:endParaRPr lang="en-US" sz="1000" kern="1200"/>
+          <a:endParaRPr lang="en-US" sz="1200" kern="1200"/>
         </a:p>
       </dsp:txBody>
       <dsp:txXfrm rot="-5400000">
@@ -6357,8 +6371,8 @@
       </dsp:nvSpPr>
       <dsp:spPr>
         <a:xfrm>
-          <a:off x="1097523" y="2593723"/>
-          <a:ext cx="2088428" cy="576273"/>
+          <a:off x="1345760" y="2593723"/>
+          <a:ext cx="1591955" cy="576273"/>
         </a:xfrm>
         <a:prstGeom prst="roundRect">
           <a:avLst>
@@ -6427,8 +6441,8 @@
         </a:p>
       </dsp:txBody>
       <dsp:txXfrm>
-        <a:off x="1114401" y="2610601"/>
-        <a:ext cx="2054672" cy="542517"/>
+        <a:off x="1362638" y="2610601"/>
+        <a:ext cx="1558199" cy="542517"/>
       </dsp:txXfrm>
     </dsp:sp>
     <dsp:sp modelId="{808B5F6B-0A26-4801-B847-014D4F329D30}">
@@ -6481,7 +6495,7 @@
         </a:bodyPr>
         <a:lstStyle/>
         <a:p>
-          <a:pPr marL="0" lvl="0" indent="0" algn="ctr" defTabSz="444500">
+          <a:pPr marL="0" lvl="0" indent="0" algn="ctr" defTabSz="533400">
             <a:lnSpc>
               <a:spcPct val="90000"/>
             </a:lnSpc>
@@ -6493,7 +6507,7 @@
             </a:spcAft>
             <a:buNone/>
           </a:pPr>
-          <a:endParaRPr lang="en-US" sz="1000" kern="1200"/>
+          <a:endParaRPr lang="en-US" sz="1200" kern="1200"/>
         </a:p>
       </dsp:txBody>
       <dsp:txXfrm rot="-5400000">
@@ -6508,8 +6522,8 @@
       </dsp:nvSpPr>
       <dsp:spPr>
         <a:xfrm>
-          <a:off x="1097523" y="3458133"/>
-          <a:ext cx="2088428" cy="576273"/>
+          <a:off x="1345760" y="3458133"/>
+          <a:ext cx="1591955" cy="576273"/>
         </a:xfrm>
         <a:prstGeom prst="roundRect">
           <a:avLst>
@@ -6578,8 +6592,8 @@
         </a:p>
       </dsp:txBody>
       <dsp:txXfrm>
-        <a:off x="1114401" y="3475011"/>
-        <a:ext cx="2054672" cy="542517"/>
+        <a:off x="1362638" y="3475011"/>
+        <a:ext cx="1558199" cy="542517"/>
       </dsp:txXfrm>
     </dsp:sp>
   </dsp:spTree>
@@ -19548,7 +19562,7 @@
           <a:p>
             <a:fld id="{6AD6EE87-EBD5-4F12-A48A-63ACA297AC8F}" type="datetimeFigureOut">
               <a:rPr lang="en-US" dirty="0"/>
-              <a:t>4/30/2024</a:t>
+              <a:t>11/10/2024</a:t>
             </a:fld>
             <a:endParaRPr lang="en-US"/>
           </a:p>
@@ -19753,7 +19767,7 @@
           <a:p>
             <a:fld id="{4CD73815-2707-4475-8F1A-B873CB631BB4}" type="datetimeFigureOut">
               <a:rPr lang="en-US" dirty="0"/>
-              <a:t>4/30/2024</a:t>
+              <a:t>11/10/2024</a:t>
             </a:fld>
             <a:endParaRPr lang="en-US"/>
           </a:p>
@@ -19931,7 +19945,7 @@
           <a:p>
             <a:fld id="{2A4AFB99-0EAB-4182-AFF8-E214C82A68F6}" type="datetimeFigureOut">
               <a:rPr lang="en-US" dirty="0"/>
-              <a:t>4/30/2024</a:t>
+              <a:t>11/10/2024</a:t>
             </a:fld>
             <a:endParaRPr lang="en-US"/>
           </a:p>
@@ -20134,7 +20148,7 @@
           <a:p>
             <a:fld id="{A5D3794B-289A-4A80-97D7-111025398D45}" type="datetimeFigureOut">
               <a:rPr lang="en-US" dirty="0"/>
-              <a:t>4/30/2024</a:t>
+              <a:t>11/10/2024</a:t>
             </a:fld>
             <a:endParaRPr lang="en-US"/>
           </a:p>
@@ -29031,7 +29045,7 @@
           <a:p>
             <a:fld id="{5A61015F-7CC6-4D0A-9D87-873EA4C304CC}" type="datetimeFigureOut">
               <a:rPr lang="en-US" dirty="0"/>
-              <a:t>4/30/2024</a:t>
+              <a:t>11/10/2024</a:t>
             </a:fld>
             <a:endParaRPr lang="en-US"/>
           </a:p>
@@ -29302,7 +29316,7 @@
           <a:p>
             <a:fld id="{93C6A301-0538-44EC-B09D-202E1042A48B}" type="datetimeFigureOut">
               <a:rPr lang="en-US" dirty="0"/>
-              <a:t>4/30/2024</a:t>
+              <a:t>11/10/2024</a:t>
             </a:fld>
             <a:endParaRPr lang="en-US"/>
           </a:p>
@@ -29697,7 +29711,7 @@
           <a:p>
             <a:fld id="{D789574A-8875-45EF-8EA2-3CAA0F7ABC4C}" type="datetimeFigureOut">
               <a:rPr lang="en-US" dirty="0"/>
-              <a:t>4/30/2024</a:t>
+              <a:t>11/10/2024</a:t>
             </a:fld>
             <a:endParaRPr lang="en-US"/>
           </a:p>
@@ -29814,7 +29828,7 @@
           <a:p>
             <a:fld id="{67EF4D4C-5367-4C26-9E2B-D8088D7FCA81}" type="datetimeFigureOut">
               <a:rPr lang="en-US" dirty="0"/>
-              <a:t>4/30/2024</a:t>
+              <a:t>11/10/2024</a:t>
             </a:fld>
             <a:endParaRPr lang="en-US"/>
           </a:p>
@@ -29909,7 +29923,7 @@
           <a:p>
             <a:fld id="{56E91E96-98B0-4413-9547-46F3504108EF}" type="datetimeFigureOut">
               <a:rPr lang="en-US" dirty="0"/>
-              <a:t>4/30/2024</a:t>
+              <a:t>11/10/2024</a:t>
             </a:fld>
             <a:endParaRPr lang="en-US"/>
           </a:p>
@@ -30197,7 +30211,7 @@
           <a:p>
             <a:fld id="{05C68B11-C5A8-448C-8CE9-B1A273C79CFC}" type="datetimeFigureOut">
               <a:rPr lang="en-US" dirty="0"/>
-              <a:t>4/30/2024</a:t>
+              <a:t>11/10/2024</a:t>
             </a:fld>
             <a:endParaRPr lang="en-US"/>
           </a:p>
@@ -30472,7 +30486,7 @@
           <a:p>
             <a:fld id="{C7616CA0-919D-4A49-9C8A-62FDFB3A5183}" type="datetimeFigureOut">
               <a:rPr lang="en-US" dirty="0"/>
-              <a:t>4/30/2024</a:t>
+              <a:t>11/10/2024</a:t>
             </a:fld>
             <a:endParaRPr lang="en-US"/>
           </a:p>
@@ -30721,7 +30735,7 @@
             <a:fld id="{90298CD5-6C1E-4009-B41F-6DF62E31D3BE}" type="datetimeFigureOut">
               <a:rPr lang="en-US" dirty="0"/>
               <a:pPr/>
-              <a:t>4/30/2024</a:t>
+              <a:t>11/10/2024</a:t>
             </a:fld>
             <a:endParaRPr lang="en-US"/>
           </a:p>
@@ -33669,7 +33683,7 @@
         </p:blipFill>
         <p:spPr>
           <a:xfrm>
-            <a:off x="4531430" y="4721929"/>
+            <a:off x="4531430" y="4694170"/>
             <a:ext cx="730250" cy="730250"/>
           </a:xfrm>
           <a:prstGeom prst="rect">
@@ -33839,7 +33853,7 @@
                                   <p:childTnLst>
                                     <p:cmd type="call" cmd="playFrom(0.0)">
                                       <p:cBhvr>
-                                        <p:cTn id="6" dur="1" fill="hold"/>
+                                        <p:cTn id="6" dur="5170" fill="hold"/>
                                         <p:tgtEl>
                                           <p:spTgt spid="10"/>
                                         </p:tgtEl>
@@ -33916,7 +33930,7 @@
                                   <p:childTnLst>
                                     <p:cmd type="call" cmd="playFrom(0.0)">
                                       <p:cBhvr>
-                                        <p:cTn id="12" dur="1" fill="hold"/>
+                                        <p:cTn id="12" dur="2544" fill="hold"/>
                                         <p:tgtEl>
                                           <p:spTgt spid="12"/>
                                         </p:tgtEl>
